--- a/infographic/blood_donation_2024-01-25.pptx
+++ b/infographic/blood_donation_2024-01-25.pptx
@@ -3459,13 +3459,13 @@
 </file>
 
 <file path=ppt/slides/slide1.xml><?xml version="1.0" encoding="utf-8"?>
-<p:sld xmlns:a="http://schemas.openxmlformats.org/drawingml/2006/main" xmlns:r="http://schemas.openxmlformats.org/officeDocument/2006/relationships" xmlns:p="http://schemas.openxmlformats.org/presentationml/2006/main">
+<p:sld xmlns:a="http://schemas.openxmlformats.org/drawingml/2006/main" xmlns:r="http://schemas.openxmlformats.org/officeDocument/2006/relationships" xmlns:p="http://schemas.openxmlformats.org/presentationml/2006/main" showMasterSp="0">
   <p:cSld>
     <p:bg>
       <p:bgPr>
         <a:blipFill dpi="0" rotWithShape="1">
           <a:blip r:embed="rId3">
-            <a:alphaModFix amt="38000"/>
+            <a:alphaModFix amt="27000"/>
             <a:lum/>
           </a:blip>
           <a:srcRect/>

--- a/infographic/blood_donation_2024-01-25.pptx
+++ b/infographic/blood_donation_2024-01-25.pptx
@@ -3465,7 +3465,7 @@
       <p:bgPr>
         <a:blipFill dpi="0" rotWithShape="1">
           <a:blip r:embed="rId3">
-            <a:alphaModFix amt="27000"/>
+            <a:alphaModFix amt="40000"/>
             <a:lum/>
           </a:blip>
           <a:srcRect/>
